--- a/009YiChan/Chan's thesis/Images/exp/exp figure.pptx
+++ b/009YiChan/Chan's thesis/Images/exp/exp figure.pptx
@@ -288,7 +288,7 @@
           <a:p>
             <a:fld id="{86177C27-84D6-4207-905E-63A94F605F90}" type="datetimeFigureOut">
               <a:rPr lang="zh-TW" altLang="en-US" smtClean="0"/>
-              <a:t>2021/6/11</a:t>
+              <a:t>2021/6/15</a:t>
             </a:fld>
             <a:endParaRPr lang="zh-TW" altLang="en-US"/>
           </a:p>
@@ -456,7 +456,7 @@
           <a:p>
             <a:fld id="{86177C27-84D6-4207-905E-63A94F605F90}" type="datetimeFigureOut">
               <a:rPr lang="zh-TW" altLang="en-US" smtClean="0"/>
-              <a:t>2021/6/11</a:t>
+              <a:t>2021/6/15</a:t>
             </a:fld>
             <a:endParaRPr lang="zh-TW" altLang="en-US"/>
           </a:p>
@@ -634,7 +634,7 @@
           <a:p>
             <a:fld id="{86177C27-84D6-4207-905E-63A94F605F90}" type="datetimeFigureOut">
               <a:rPr lang="zh-TW" altLang="en-US" smtClean="0"/>
-              <a:t>2021/6/11</a:t>
+              <a:t>2021/6/15</a:t>
             </a:fld>
             <a:endParaRPr lang="zh-TW" altLang="en-US"/>
           </a:p>
@@ -802,7 +802,7 @@
           <a:p>
             <a:fld id="{86177C27-84D6-4207-905E-63A94F605F90}" type="datetimeFigureOut">
               <a:rPr lang="zh-TW" altLang="en-US" smtClean="0"/>
-              <a:t>2021/6/11</a:t>
+              <a:t>2021/6/15</a:t>
             </a:fld>
             <a:endParaRPr lang="zh-TW" altLang="en-US"/>
           </a:p>
@@ -1047,7 +1047,7 @@
           <a:p>
             <a:fld id="{86177C27-84D6-4207-905E-63A94F605F90}" type="datetimeFigureOut">
               <a:rPr lang="zh-TW" altLang="en-US" smtClean="0"/>
-              <a:t>2021/6/11</a:t>
+              <a:t>2021/6/15</a:t>
             </a:fld>
             <a:endParaRPr lang="zh-TW" altLang="en-US"/>
           </a:p>
@@ -1276,7 +1276,7 @@
           <a:p>
             <a:fld id="{86177C27-84D6-4207-905E-63A94F605F90}" type="datetimeFigureOut">
               <a:rPr lang="zh-TW" altLang="en-US" smtClean="0"/>
-              <a:t>2021/6/11</a:t>
+              <a:t>2021/6/15</a:t>
             </a:fld>
             <a:endParaRPr lang="zh-TW" altLang="en-US"/>
           </a:p>
@@ -1640,7 +1640,7 @@
           <a:p>
             <a:fld id="{86177C27-84D6-4207-905E-63A94F605F90}" type="datetimeFigureOut">
               <a:rPr lang="zh-TW" altLang="en-US" smtClean="0"/>
-              <a:t>2021/6/11</a:t>
+              <a:t>2021/6/15</a:t>
             </a:fld>
             <a:endParaRPr lang="zh-TW" altLang="en-US"/>
           </a:p>
@@ -1757,7 +1757,7 @@
           <a:p>
             <a:fld id="{86177C27-84D6-4207-905E-63A94F605F90}" type="datetimeFigureOut">
               <a:rPr lang="zh-TW" altLang="en-US" smtClean="0"/>
-              <a:t>2021/6/11</a:t>
+              <a:t>2021/6/15</a:t>
             </a:fld>
             <a:endParaRPr lang="zh-TW" altLang="en-US"/>
           </a:p>
@@ -1852,7 +1852,7 @@
           <a:p>
             <a:fld id="{86177C27-84D6-4207-905E-63A94F605F90}" type="datetimeFigureOut">
               <a:rPr lang="zh-TW" altLang="en-US" smtClean="0"/>
-              <a:t>2021/6/11</a:t>
+              <a:t>2021/6/15</a:t>
             </a:fld>
             <a:endParaRPr lang="zh-TW" altLang="en-US"/>
           </a:p>
@@ -2127,7 +2127,7 @@
           <a:p>
             <a:fld id="{86177C27-84D6-4207-905E-63A94F605F90}" type="datetimeFigureOut">
               <a:rPr lang="zh-TW" altLang="en-US" smtClean="0"/>
-              <a:t>2021/6/11</a:t>
+              <a:t>2021/6/15</a:t>
             </a:fld>
             <a:endParaRPr lang="zh-TW" altLang="en-US"/>
           </a:p>
@@ -2379,7 +2379,7 @@
           <a:p>
             <a:fld id="{86177C27-84D6-4207-905E-63A94F605F90}" type="datetimeFigureOut">
               <a:rPr lang="zh-TW" altLang="en-US" smtClean="0"/>
-              <a:t>2021/6/11</a:t>
+              <a:t>2021/6/15</a:t>
             </a:fld>
             <a:endParaRPr lang="zh-TW" altLang="en-US"/>
           </a:p>
@@ -2590,7 +2590,7 @@
           <a:p>
             <a:fld id="{86177C27-84D6-4207-905E-63A94F605F90}" type="datetimeFigureOut">
               <a:rPr lang="zh-TW" altLang="en-US" smtClean="0"/>
-              <a:t>2021/6/11</a:t>
+              <a:t>2021/6/15</a:t>
             </a:fld>
             <a:endParaRPr lang="zh-TW" altLang="en-US"/>
           </a:p>
@@ -4253,9 +4253,44 @@
           <a:stretch/>
         </p:blipFill>
         <p:spPr>
-          <a:xfrm>
-            <a:off x="628152" y="906448"/>
+          <a:xfrm rot="16200000">
+            <a:off x="-1162848" y="2142876"/>
             <a:ext cx="10177669" cy="5891917"/>
+          </a:xfrm>
+          <a:prstGeom prst="rect">
+            <a:avLst/>
+          </a:prstGeom>
+        </p:spPr>
+      </p:pic>
+      <p:pic>
+        <p:nvPicPr>
+          <p:cNvPr id="5" name="圖片 4">
+            <a:extLst>
+              <a:ext uri="{FF2B5EF4-FFF2-40B4-BE49-F238E27FC236}">
+                <a16:creationId xmlns:a16="http://schemas.microsoft.com/office/drawing/2014/main" id="{4C1B5A72-96BF-4E7A-B984-A9B0D4F69FFE}"/>
+              </a:ext>
+            </a:extLst>
+          </p:cNvPr>
+          <p:cNvPicPr>
+            <a:picLocks noChangeAspect="1"/>
+          </p:cNvPicPr>
+          <p:nvPr/>
+        </p:nvPicPr>
+        <p:blipFill rotWithShape="1">
+          <a:blip r:embed="rId3">
+            <a:extLst>
+              <a:ext uri="{28A0092B-C50C-407E-A947-70E740481C1C}">
+                <a14:useLocalDpi xmlns:a14="http://schemas.microsoft.com/office/drawing/2010/main" val="0"/>
+              </a:ext>
+            </a:extLst>
+          </a:blip>
+          <a:srcRect l="10554" t="2643" r="5884" b="5553"/>
+          <a:stretch/>
+        </p:blipFill>
+        <p:spPr>
+          <a:xfrm rot="16200000">
+            <a:off x="5146535" y="89609"/>
+            <a:ext cx="10187872" cy="5891002"/>
           </a:xfrm>
           <a:prstGeom prst="rect">
             <a:avLst/>
@@ -4449,8 +4484,43 @@
         </p:blipFill>
         <p:spPr>
           <a:xfrm rot="16200000">
-            <a:off x="1049572" y="349857"/>
+            <a:off x="-2045913" y="2027442"/>
             <a:ext cx="10201524" cy="5931673"/>
+          </a:xfrm>
+          <a:prstGeom prst="rect">
+            <a:avLst/>
+          </a:prstGeom>
+        </p:spPr>
+      </p:pic>
+      <p:pic>
+        <p:nvPicPr>
+          <p:cNvPr id="3" name="圖片 2">
+            <a:extLst>
+              <a:ext uri="{FF2B5EF4-FFF2-40B4-BE49-F238E27FC236}">
+                <a16:creationId xmlns:a16="http://schemas.microsoft.com/office/drawing/2014/main" id="{621F62BC-47F2-40D2-A61D-594ACA2A0D63}"/>
+              </a:ext>
+            </a:extLst>
+          </p:cNvPr>
+          <p:cNvPicPr>
+            <a:picLocks noChangeAspect="1"/>
+          </p:cNvPicPr>
+          <p:nvPr/>
+        </p:nvPicPr>
+        <p:blipFill rotWithShape="1">
+          <a:blip r:embed="rId3">
+            <a:extLst>
+              <a:ext uri="{28A0092B-C50C-407E-A947-70E740481C1C}">
+                <a14:useLocalDpi xmlns:a14="http://schemas.microsoft.com/office/drawing/2010/main" val="0"/>
+              </a:ext>
+            </a:extLst>
+          </a:blip>
+          <a:srcRect l="10487" t="2867" r="5819" b="5705"/>
+          <a:stretch/>
+        </p:blipFill>
+        <p:spPr>
+          <a:xfrm rot="16200000">
+            <a:off x="3927334" y="2770747"/>
+            <a:ext cx="10204056" cy="5866725"/>
           </a:xfrm>
           <a:prstGeom prst="rect">
             <a:avLst/>
@@ -4639,13 +4709,13 @@
               </a:ext>
             </a:extLst>
           </a:blip>
-          <a:srcRect l="84436" t="71141" r="5826" b="10927"/>
+          <a:srcRect l="80719" t="66475" r="5826" b="7936"/>
           <a:stretch/>
         </p:blipFill>
         <p:spPr>
           <a:xfrm>
-            <a:off x="1301750" y="738186"/>
-            <a:ext cx="4838700" cy="4689735"/>
+            <a:off x="548544" y="-1067827"/>
+            <a:ext cx="3347182" cy="3352173"/>
           </a:xfrm>
           <a:prstGeom prst="rect">
             <a:avLst/>
@@ -4678,9 +4748,79 @@
           <a:stretch/>
         </p:blipFill>
         <p:spPr>
+          <a:xfrm rot="16200000">
+            <a:off x="2597544" y="1422377"/>
+            <a:ext cx="12418991" cy="7219444"/>
+          </a:xfrm>
+          <a:prstGeom prst="rect">
+            <a:avLst/>
+          </a:prstGeom>
+        </p:spPr>
+      </p:pic>
+      <p:pic>
+        <p:nvPicPr>
+          <p:cNvPr id="7" name="圖片 6">
+            <a:extLst>
+              <a:ext uri="{FF2B5EF4-FFF2-40B4-BE49-F238E27FC236}">
+                <a16:creationId xmlns:a16="http://schemas.microsoft.com/office/drawing/2014/main" id="{A1B3BB50-1A07-41E8-B9CE-FF1FC9405CD7}"/>
+              </a:ext>
+            </a:extLst>
+          </p:cNvPr>
+          <p:cNvPicPr>
+            <a:picLocks noChangeAspect="1"/>
+          </p:cNvPicPr>
+          <p:nvPr/>
+        </p:nvPicPr>
+        <p:blipFill rotWithShape="1">
+          <a:blip r:embed="rId3">
+            <a:extLst>
+              <a:ext uri="{28A0092B-C50C-407E-A947-70E740481C1C}">
+                <a14:useLocalDpi xmlns:a14="http://schemas.microsoft.com/office/drawing/2010/main" val="0"/>
+              </a:ext>
+            </a:extLst>
+          </a:blip>
+          <a:srcRect l="10554" t="2867" r="5686" b="5705"/>
+          <a:stretch/>
+        </p:blipFill>
+        <p:spPr>
+          <a:xfrm rot="16200000">
+            <a:off x="3443162" y="343911"/>
+            <a:ext cx="10212149" cy="5866726"/>
+          </a:xfrm>
+          <a:prstGeom prst="rect">
+            <a:avLst/>
+          </a:prstGeom>
+        </p:spPr>
+      </p:pic>
+      <p:pic>
+        <p:nvPicPr>
+          <p:cNvPr id="8" name="圖片 7">
+            <a:extLst>
+              <a:ext uri="{FF2B5EF4-FFF2-40B4-BE49-F238E27FC236}">
+                <a16:creationId xmlns:a16="http://schemas.microsoft.com/office/drawing/2014/main" id="{EF124F6C-918B-4A1C-B5A6-5F9963351BCE}"/>
+              </a:ext>
+            </a:extLst>
+          </p:cNvPr>
+          <p:cNvPicPr>
+            <a:picLocks noChangeAspect="1"/>
+          </p:cNvPicPr>
+          <p:nvPr/>
+        </p:nvPicPr>
+        <p:blipFill rotWithShape="1">
+          <a:blip r:embed="rId3">
+            <a:extLst>
+              <a:ext uri="{28A0092B-C50C-407E-A947-70E740481C1C}">
+                <a14:useLocalDpi xmlns:a14="http://schemas.microsoft.com/office/drawing/2010/main" val="0"/>
+              </a:ext>
+            </a:extLst>
+          </a:blip>
+          <a:srcRect l="79987" t="66825" r="5685" b="7828"/>
+          <a:stretch/>
+        </p:blipFill>
+        <p:spPr>
           <a:xfrm>
-            <a:off x="6660781" y="-3668584"/>
-            <a:ext cx="17059338" cy="9916984"/>
+            <a:off x="149923" y="2284346"/>
+            <a:ext cx="4838700" cy="4505369"/>
           </a:xfrm>
           <a:prstGeom prst="rect">
             <a:avLst/>

--- a/009YiChan/Chan's thesis/Images/exp/exp figure.pptx
+++ b/009YiChan/Chan's thesis/Images/exp/exp figure.pptx
@@ -288,7 +288,7 @@
           <a:p>
             <a:fld id="{86177C27-84D6-4207-905E-63A94F605F90}" type="datetimeFigureOut">
               <a:rPr lang="zh-TW" altLang="en-US" smtClean="0"/>
-              <a:t>2021/6/15</a:t>
+              <a:t>2021/7/12</a:t>
             </a:fld>
             <a:endParaRPr lang="zh-TW" altLang="en-US"/>
           </a:p>
@@ -456,7 +456,7 @@
           <a:p>
             <a:fld id="{86177C27-84D6-4207-905E-63A94F605F90}" type="datetimeFigureOut">
               <a:rPr lang="zh-TW" altLang="en-US" smtClean="0"/>
-              <a:t>2021/6/15</a:t>
+              <a:t>2021/7/12</a:t>
             </a:fld>
             <a:endParaRPr lang="zh-TW" altLang="en-US"/>
           </a:p>
@@ -634,7 +634,7 @@
           <a:p>
             <a:fld id="{86177C27-84D6-4207-905E-63A94F605F90}" type="datetimeFigureOut">
               <a:rPr lang="zh-TW" altLang="en-US" smtClean="0"/>
-              <a:t>2021/6/15</a:t>
+              <a:t>2021/7/12</a:t>
             </a:fld>
             <a:endParaRPr lang="zh-TW" altLang="en-US"/>
           </a:p>
@@ -802,7 +802,7 @@
           <a:p>
             <a:fld id="{86177C27-84D6-4207-905E-63A94F605F90}" type="datetimeFigureOut">
               <a:rPr lang="zh-TW" altLang="en-US" smtClean="0"/>
-              <a:t>2021/6/15</a:t>
+              <a:t>2021/7/12</a:t>
             </a:fld>
             <a:endParaRPr lang="zh-TW" altLang="en-US"/>
           </a:p>
@@ -1047,7 +1047,7 @@
           <a:p>
             <a:fld id="{86177C27-84D6-4207-905E-63A94F605F90}" type="datetimeFigureOut">
               <a:rPr lang="zh-TW" altLang="en-US" smtClean="0"/>
-              <a:t>2021/6/15</a:t>
+              <a:t>2021/7/12</a:t>
             </a:fld>
             <a:endParaRPr lang="zh-TW" altLang="en-US"/>
           </a:p>
@@ -1276,7 +1276,7 @@
           <a:p>
             <a:fld id="{86177C27-84D6-4207-905E-63A94F605F90}" type="datetimeFigureOut">
               <a:rPr lang="zh-TW" altLang="en-US" smtClean="0"/>
-              <a:t>2021/6/15</a:t>
+              <a:t>2021/7/12</a:t>
             </a:fld>
             <a:endParaRPr lang="zh-TW" altLang="en-US"/>
           </a:p>
@@ -1640,7 +1640,7 @@
           <a:p>
             <a:fld id="{86177C27-84D6-4207-905E-63A94F605F90}" type="datetimeFigureOut">
               <a:rPr lang="zh-TW" altLang="en-US" smtClean="0"/>
-              <a:t>2021/6/15</a:t>
+              <a:t>2021/7/12</a:t>
             </a:fld>
             <a:endParaRPr lang="zh-TW" altLang="en-US"/>
           </a:p>
@@ -1757,7 +1757,7 @@
           <a:p>
             <a:fld id="{86177C27-84D6-4207-905E-63A94F605F90}" type="datetimeFigureOut">
               <a:rPr lang="zh-TW" altLang="en-US" smtClean="0"/>
-              <a:t>2021/6/15</a:t>
+              <a:t>2021/7/12</a:t>
             </a:fld>
             <a:endParaRPr lang="zh-TW" altLang="en-US"/>
           </a:p>
@@ -1852,7 +1852,7 @@
           <a:p>
             <a:fld id="{86177C27-84D6-4207-905E-63A94F605F90}" type="datetimeFigureOut">
               <a:rPr lang="zh-TW" altLang="en-US" smtClean="0"/>
-              <a:t>2021/6/15</a:t>
+              <a:t>2021/7/12</a:t>
             </a:fld>
             <a:endParaRPr lang="zh-TW" altLang="en-US"/>
           </a:p>
@@ -2127,7 +2127,7 @@
           <a:p>
             <a:fld id="{86177C27-84D6-4207-905E-63A94F605F90}" type="datetimeFigureOut">
               <a:rPr lang="zh-TW" altLang="en-US" smtClean="0"/>
-              <a:t>2021/6/15</a:t>
+              <a:t>2021/7/12</a:t>
             </a:fld>
             <a:endParaRPr lang="zh-TW" altLang="en-US"/>
           </a:p>
@@ -2379,7 +2379,7 @@
           <a:p>
             <a:fld id="{86177C27-84D6-4207-905E-63A94F605F90}" type="datetimeFigureOut">
               <a:rPr lang="zh-TW" altLang="en-US" smtClean="0"/>
-              <a:t>2021/6/15</a:t>
+              <a:t>2021/7/12</a:t>
             </a:fld>
             <a:endParaRPr lang="zh-TW" altLang="en-US"/>
           </a:p>
@@ -2590,7 +2590,7 @@
           <a:p>
             <a:fld id="{86177C27-84D6-4207-905E-63A94F605F90}" type="datetimeFigureOut">
               <a:rPr lang="zh-TW" altLang="en-US" smtClean="0"/>
-              <a:t>2021/6/15</a:t>
+              <a:t>2021/7/12</a:t>
             </a:fld>
             <a:endParaRPr lang="zh-TW" altLang="en-US"/>
           </a:p>
@@ -3088,8 +3088,32 @@
         </p:blipFill>
         <p:spPr>
           <a:xfrm>
-            <a:off x="3429333" y="1429000"/>
+            <a:off x="6415814" y="1571613"/>
             <a:ext cx="5333333" cy="4000000"/>
+          </a:xfrm>
+          <a:prstGeom prst="rect">
+            <a:avLst/>
+          </a:prstGeom>
+        </p:spPr>
+      </p:pic>
+      <p:pic>
+        <p:nvPicPr>
+          <p:cNvPr id="6" name="圖片 5"/>
+          <p:cNvPicPr>
+            <a:picLocks noChangeAspect="1"/>
+          </p:cNvPicPr>
+          <p:nvPr/>
+        </p:nvPicPr>
+        <p:blipFill>
+          <a:blip r:embed="rId3"/>
+          <a:stretch>
+            <a:fillRect/>
+          </a:stretch>
+        </p:blipFill>
+        <p:spPr>
+          <a:xfrm>
+            <a:off x="618688" y="1328082"/>
+            <a:ext cx="5334000" cy="4000500"/>
           </a:xfrm>
           <a:prstGeom prst="rect">
             <a:avLst/>
@@ -4130,7 +4154,7 @@
         </p:nvGrpSpPr>
         <p:grpSpPr>
           <a:xfrm>
-            <a:off x="8458526" y="4313528"/>
+            <a:off x="461839" y="1665219"/>
             <a:ext cx="12192000" cy="3850106"/>
             <a:chOff x="0" y="1254893"/>
             <a:chExt cx="12192000" cy="3850106"/>
